--- a/Introduction to IoT.pptx
+++ b/Introduction to IoT.pptx
@@ -5,7 +5,7 @@
     <p:sldMasterId id="2147483648" r:id="rId1"/>
   </p:sldMasterIdLst>
   <p:notesMasterIdLst>
-    <p:notesMasterId r:id="rId16"/>
+    <p:notesMasterId r:id="rId19"/>
   </p:notesMasterIdLst>
   <p:sldIdLst>
     <p:sldId id="256" r:id="rId2"/>
@@ -18,10 +18,13 @@
     <p:sldId id="262" r:id="rId9"/>
     <p:sldId id="263" r:id="rId10"/>
     <p:sldId id="264" r:id="rId11"/>
-    <p:sldId id="265" r:id="rId12"/>
+    <p:sldId id="273" r:id="rId12"/>
     <p:sldId id="266" r:id="rId13"/>
     <p:sldId id="267" r:id="rId14"/>
     <p:sldId id="268" r:id="rId15"/>
+    <p:sldId id="270" r:id="rId16"/>
+    <p:sldId id="271" r:id="rId17"/>
+    <p:sldId id="272" r:id="rId18"/>
   </p:sldIdLst>
   <p:sldSz cx="12192000" cy="6858000"/>
   <p:notesSz cx="6858000" cy="9144000"/>
@@ -15519,10 +15522,10 @@
       </p:grpSpPr>
       <p:sp>
         <p:nvSpPr>
-          <p:cNvPr id="10" name="Title 9">
+          <p:cNvPr id="2" name="Title 1">
             <a:extLst>
               <a:ext uri="{FF2B5EF4-FFF2-40B4-BE49-F238E27FC236}">
-                <a16:creationId xmlns:a16="http://schemas.microsoft.com/office/drawing/2014/main" id="{FED1708C-B2FE-4A60-8F24-64369B9CDBDC}"/>
+                <a16:creationId xmlns:a16="http://schemas.microsoft.com/office/drawing/2014/main" id="{E03ABB0C-0B8C-4922-B1EE-B74BD08CCD5E}"/>
               </a:ext>
             </a:extLst>
           </p:cNvPr>
@@ -15533,12 +15536,7 @@
             <p:ph type="title"/>
           </p:nvPr>
         </p:nvSpPr>
-        <p:spPr>
-          <a:xfrm>
-            <a:off x="646111" y="452717"/>
-            <a:ext cx="9404723" cy="1397363"/>
-          </a:xfrm>
-        </p:spPr>
+        <p:spPr/>
         <p:txBody>
           <a:bodyPr/>
           <a:lstStyle/>
@@ -15560,15 +15558,569 @@
               <a:t> 4.0)</a:t>
             </a:r>
             <a:endParaRPr lang="en-IN" dirty="0"/>
+          </a:p>
+        </p:txBody>
+      </p:sp>
+      <p:sp>
+        <p:nvSpPr>
+          <p:cNvPr id="5" name="Rectangle: Rounded Corners 4">
+            <a:extLst>
+              <a:ext uri="{FF2B5EF4-FFF2-40B4-BE49-F238E27FC236}">
+                <a16:creationId xmlns:a16="http://schemas.microsoft.com/office/drawing/2014/main" id="{F015FF6B-7DC6-423E-827D-98A8E79238CB}"/>
+              </a:ext>
+            </a:extLst>
+          </p:cNvPr>
+          <p:cNvSpPr/>
+          <p:nvPr/>
+        </p:nvSpPr>
+        <p:spPr>
+          <a:xfrm>
+            <a:off x="1012874" y="2321169"/>
+            <a:ext cx="9214338" cy="4070045"/>
+          </a:xfrm>
+          <a:prstGeom prst="roundRect">
+            <a:avLst/>
+          </a:prstGeom>
+          <a:solidFill>
+            <a:schemeClr val="bg2">
+              <a:lumMod val="20000"/>
+              <a:lumOff val="80000"/>
+            </a:schemeClr>
+          </a:solidFill>
+        </p:spPr>
+        <p:style>
+          <a:lnRef idx="2">
+            <a:schemeClr val="accent1">
+              <a:shade val="50000"/>
+            </a:schemeClr>
+          </a:lnRef>
+          <a:fillRef idx="1">
+            <a:schemeClr val="accent1"/>
+          </a:fillRef>
+          <a:effectRef idx="0">
+            <a:schemeClr val="accent1"/>
+          </a:effectRef>
+          <a:fontRef idx="minor">
+            <a:schemeClr val="lt1"/>
+          </a:fontRef>
+        </p:style>
+        <p:txBody>
+          <a:bodyPr rtlCol="0" anchor="ctr"/>
+          <a:lstStyle/>
+          <a:p>
+            <a:pPr algn="ctr"/>
+            <a:endParaRPr lang="en-IN"/>
+          </a:p>
+        </p:txBody>
+      </p:sp>
+      <p:sp>
+        <p:nvSpPr>
+          <p:cNvPr id="6" name="Oval 5">
+            <a:extLst>
+              <a:ext uri="{FF2B5EF4-FFF2-40B4-BE49-F238E27FC236}">
+                <a16:creationId xmlns:a16="http://schemas.microsoft.com/office/drawing/2014/main" id="{0C48C8C8-6BB8-4E6E-B2E7-E0C0424F5D52}"/>
+              </a:ext>
+            </a:extLst>
+          </p:cNvPr>
+          <p:cNvSpPr/>
+          <p:nvPr/>
+        </p:nvSpPr>
+        <p:spPr>
+          <a:xfrm>
+            <a:off x="2754924" y="3068997"/>
+            <a:ext cx="2602523" cy="2574388"/>
+          </a:xfrm>
+          <a:prstGeom prst="ellipse">
+            <a:avLst/>
+          </a:prstGeom>
+          <a:solidFill>
+            <a:srgbClr val="00B0F0"/>
+          </a:solidFill>
+          <a:ln>
+            <a:noFill/>
+          </a:ln>
+          <a:effectLst>
+            <a:outerShdw blurRad="44450" dist="27940" dir="5400000" algn="ctr">
+              <a:srgbClr val="000000">
+                <a:alpha val="32000"/>
+              </a:srgbClr>
+            </a:outerShdw>
+          </a:effectLst>
+          <a:scene3d>
+            <a:camera prst="orthographicFront">
+              <a:rot lat="0" lon="0" rev="0"/>
+            </a:camera>
+            <a:lightRig rig="balanced" dir="t">
+              <a:rot lat="0" lon="0" rev="8700000"/>
+            </a:lightRig>
+          </a:scene3d>
+          <a:sp3d>
+            <a:bevelT w="190500" h="38100"/>
+          </a:sp3d>
+        </p:spPr>
+        <p:style>
+          <a:lnRef idx="2">
+            <a:schemeClr val="accent1">
+              <a:shade val="50000"/>
+            </a:schemeClr>
+          </a:lnRef>
+          <a:fillRef idx="1">
+            <a:schemeClr val="accent1"/>
+          </a:fillRef>
+          <a:effectRef idx="0">
+            <a:schemeClr val="accent1"/>
+          </a:effectRef>
+          <a:fontRef idx="minor">
+            <a:schemeClr val="lt1"/>
+          </a:fontRef>
+        </p:style>
+        <p:txBody>
+          <a:bodyPr rtlCol="0" anchor="ctr"/>
+          <a:lstStyle/>
+          <a:p>
+            <a:pPr algn="ctr"/>
+            <a:endParaRPr lang="en-IN" dirty="0"/>
+          </a:p>
+        </p:txBody>
+      </p:sp>
+      <p:sp>
+        <p:nvSpPr>
+          <p:cNvPr id="7" name="Oval 6">
+            <a:extLst>
+              <a:ext uri="{FF2B5EF4-FFF2-40B4-BE49-F238E27FC236}">
+                <a16:creationId xmlns:a16="http://schemas.microsoft.com/office/drawing/2014/main" id="{F7DE27FA-F07B-48B1-88D7-4906292F537C}"/>
+              </a:ext>
+            </a:extLst>
+          </p:cNvPr>
+          <p:cNvSpPr/>
+          <p:nvPr/>
+        </p:nvSpPr>
+        <p:spPr>
+          <a:xfrm>
+            <a:off x="6096000" y="2982246"/>
+            <a:ext cx="2602523" cy="2574388"/>
+          </a:xfrm>
+          <a:prstGeom prst="ellipse">
+            <a:avLst/>
+          </a:prstGeom>
+          <a:solidFill>
+            <a:srgbClr val="FFFF00"/>
+          </a:solidFill>
+          <a:scene3d>
+            <a:camera prst="orthographicFront"/>
+            <a:lightRig rig="threePt" dir="t"/>
+          </a:scene3d>
+          <a:sp3d>
+            <a:bevelT/>
+          </a:sp3d>
+        </p:spPr>
+        <p:style>
+          <a:lnRef idx="2">
+            <a:schemeClr val="accent1">
+              <a:shade val="50000"/>
+            </a:schemeClr>
+          </a:lnRef>
+          <a:fillRef idx="1">
+            <a:schemeClr val="accent1"/>
+          </a:fillRef>
+          <a:effectRef idx="0">
+            <a:schemeClr val="accent1"/>
+          </a:effectRef>
+          <a:fontRef idx="minor">
+            <a:schemeClr val="lt1"/>
+          </a:fontRef>
+        </p:style>
+        <p:txBody>
+          <a:bodyPr rtlCol="0" anchor="ctr"/>
+          <a:lstStyle/>
+          <a:p>
+            <a:pPr algn="ctr"/>
+            <a:endParaRPr lang="en-IN"/>
+          </a:p>
+        </p:txBody>
+      </p:sp>
+      <p:sp>
+        <p:nvSpPr>
+          <p:cNvPr id="8" name="Rectangle: Rounded Corners 7">
+            <a:extLst>
+              <a:ext uri="{FF2B5EF4-FFF2-40B4-BE49-F238E27FC236}">
+                <a16:creationId xmlns:a16="http://schemas.microsoft.com/office/drawing/2014/main" id="{B2ED34FC-E3F6-4A9F-BB9A-D6F21C8A08D7}"/>
+              </a:ext>
+            </a:extLst>
+          </p:cNvPr>
+          <p:cNvSpPr/>
+          <p:nvPr/>
+        </p:nvSpPr>
+        <p:spPr>
+          <a:xfrm>
+            <a:off x="3207434" y="3784209"/>
+            <a:ext cx="1730326" cy="506437"/>
+          </a:xfrm>
+          <a:prstGeom prst="roundRect">
+            <a:avLst/>
+          </a:prstGeom>
+        </p:spPr>
+        <p:style>
+          <a:lnRef idx="2">
+            <a:schemeClr val="accent1">
+              <a:shade val="50000"/>
+            </a:schemeClr>
+          </a:lnRef>
+          <a:fillRef idx="1">
+            <a:schemeClr val="accent1"/>
+          </a:fillRef>
+          <a:effectRef idx="0">
+            <a:schemeClr val="accent1"/>
+          </a:effectRef>
+          <a:fontRef idx="minor">
+            <a:schemeClr val="lt1"/>
+          </a:fontRef>
+        </p:style>
+        <p:txBody>
+          <a:bodyPr rtlCol="0" anchor="ctr"/>
+          <a:lstStyle/>
+          <a:p>
+            <a:pPr algn="ctr"/>
+            <a:endParaRPr lang="en-IN"/>
+          </a:p>
+        </p:txBody>
+      </p:sp>
+      <p:sp>
+        <p:nvSpPr>
+          <p:cNvPr id="9" name="Rectangle: Rounded Corners 8">
+            <a:extLst>
+              <a:ext uri="{FF2B5EF4-FFF2-40B4-BE49-F238E27FC236}">
+                <a16:creationId xmlns:a16="http://schemas.microsoft.com/office/drawing/2014/main" id="{72914397-F83E-4B47-A206-6F0A2FFEAC04}"/>
+              </a:ext>
+            </a:extLst>
+          </p:cNvPr>
+          <p:cNvSpPr/>
+          <p:nvPr/>
+        </p:nvSpPr>
+        <p:spPr>
+          <a:xfrm>
+            <a:off x="3191023" y="4400840"/>
+            <a:ext cx="1730326" cy="506437"/>
+          </a:xfrm>
+          <a:prstGeom prst="roundRect">
+            <a:avLst/>
+          </a:prstGeom>
+        </p:spPr>
+        <p:style>
+          <a:lnRef idx="2">
+            <a:schemeClr val="accent1">
+              <a:shade val="50000"/>
+            </a:schemeClr>
+          </a:lnRef>
+          <a:fillRef idx="1">
+            <a:schemeClr val="accent1"/>
+          </a:fillRef>
+          <a:effectRef idx="0">
+            <a:schemeClr val="accent1"/>
+          </a:effectRef>
+          <a:fontRef idx="minor">
+            <a:schemeClr val="lt1"/>
+          </a:fontRef>
+        </p:style>
+        <p:txBody>
+          <a:bodyPr rtlCol="0" anchor="ctr"/>
+          <a:lstStyle/>
+          <a:p>
+            <a:pPr algn="ctr"/>
+            <a:endParaRPr lang="en-IN"/>
+          </a:p>
+        </p:txBody>
+      </p:sp>
+      <p:cxnSp>
+        <p:nvCxnSpPr>
+          <p:cNvPr id="11" name="Straight Connector 10">
+            <a:extLst>
+              <a:ext uri="{FF2B5EF4-FFF2-40B4-BE49-F238E27FC236}">
+                <a16:creationId xmlns:a16="http://schemas.microsoft.com/office/drawing/2014/main" id="{AD4ED458-CC51-4CA1-9770-9759A806192A}"/>
+              </a:ext>
+            </a:extLst>
+          </p:cNvPr>
+          <p:cNvCxnSpPr/>
+          <p:nvPr/>
+        </p:nvCxnSpPr>
+        <p:spPr>
+          <a:xfrm>
+            <a:off x="3756074" y="3967089"/>
+            <a:ext cx="886264" cy="0"/>
+          </a:xfrm>
+          <a:prstGeom prst="line">
+            <a:avLst/>
+          </a:prstGeom>
+          <a:ln w="9525" cap="flat" cmpd="sng" algn="ctr">
+            <a:solidFill>
+              <a:schemeClr val="dk1"/>
+            </a:solidFill>
+            <a:prstDash val="dash"/>
+            <a:round/>
+            <a:headEnd type="none" w="med" len="med"/>
+            <a:tailEnd type="none" w="med" len="med"/>
+          </a:ln>
+        </p:spPr>
+        <p:style>
+          <a:lnRef idx="0">
+            <a:scrgbClr r="0" g="0" b="0"/>
+          </a:lnRef>
+          <a:fillRef idx="0">
+            <a:scrgbClr r="0" g="0" b="0"/>
+          </a:fillRef>
+          <a:effectRef idx="0">
+            <a:scrgbClr r="0" g="0" b="0"/>
+          </a:effectRef>
+          <a:fontRef idx="minor">
+            <a:schemeClr val="tx1"/>
+          </a:fontRef>
+        </p:style>
+      </p:cxnSp>
+      <p:cxnSp>
+        <p:nvCxnSpPr>
+          <p:cNvPr id="12" name="Straight Connector 11">
+            <a:extLst>
+              <a:ext uri="{FF2B5EF4-FFF2-40B4-BE49-F238E27FC236}">
+                <a16:creationId xmlns:a16="http://schemas.microsoft.com/office/drawing/2014/main" id="{98C3B6BA-5FB4-46A7-9D90-1C0AF041B12E}"/>
+              </a:ext>
+            </a:extLst>
+          </p:cNvPr>
+          <p:cNvCxnSpPr/>
+          <p:nvPr/>
+        </p:nvCxnSpPr>
+        <p:spPr>
+          <a:xfrm>
+            <a:off x="3756074" y="4133557"/>
+            <a:ext cx="886264" cy="0"/>
+          </a:xfrm>
+          <a:prstGeom prst="line">
+            <a:avLst/>
+          </a:prstGeom>
+          <a:ln w="9525" cap="flat" cmpd="sng" algn="ctr">
+            <a:solidFill>
+              <a:schemeClr val="dk1"/>
+            </a:solidFill>
+            <a:prstDash val="dash"/>
+            <a:round/>
+            <a:headEnd type="none" w="med" len="med"/>
+            <a:tailEnd type="none" w="med" len="med"/>
+          </a:ln>
+        </p:spPr>
+        <p:style>
+          <a:lnRef idx="0">
+            <a:scrgbClr r="0" g="0" b="0"/>
+          </a:lnRef>
+          <a:fillRef idx="0">
+            <a:scrgbClr r="0" g="0" b="0"/>
+          </a:fillRef>
+          <a:effectRef idx="0">
+            <a:scrgbClr r="0" g="0" b="0"/>
+          </a:effectRef>
+          <a:fontRef idx="minor">
+            <a:schemeClr val="tx1"/>
+          </a:fontRef>
+        </p:style>
+      </p:cxnSp>
+      <p:cxnSp>
+        <p:nvCxnSpPr>
+          <p:cNvPr id="13" name="Straight Connector 12">
+            <a:extLst>
+              <a:ext uri="{FF2B5EF4-FFF2-40B4-BE49-F238E27FC236}">
+                <a16:creationId xmlns:a16="http://schemas.microsoft.com/office/drawing/2014/main" id="{6A02A6C1-6858-4859-B511-89D01CFD00B9}"/>
+              </a:ext>
+            </a:extLst>
+          </p:cNvPr>
+          <p:cNvCxnSpPr>
+            <a:cxnSpLocks/>
+          </p:cNvCxnSpPr>
+          <p:nvPr/>
+        </p:nvCxnSpPr>
+        <p:spPr>
+          <a:xfrm>
+            <a:off x="3756074" y="4539175"/>
+            <a:ext cx="1026941" cy="0"/>
+          </a:xfrm>
+          <a:prstGeom prst="line">
+            <a:avLst/>
+          </a:prstGeom>
+          <a:ln w="9525" cap="flat" cmpd="sng" algn="ctr">
+            <a:solidFill>
+              <a:schemeClr val="dk1"/>
+            </a:solidFill>
+            <a:prstDash val="dash"/>
+            <a:round/>
+            <a:headEnd type="none" w="med" len="med"/>
+            <a:tailEnd type="none" w="med" len="med"/>
+          </a:ln>
+        </p:spPr>
+        <p:style>
+          <a:lnRef idx="0">
+            <a:scrgbClr r="0" g="0" b="0"/>
+          </a:lnRef>
+          <a:fillRef idx="0">
+            <a:scrgbClr r="0" g="0" b="0"/>
+          </a:fillRef>
+          <a:effectRef idx="0">
+            <a:scrgbClr r="0" g="0" b="0"/>
+          </a:effectRef>
+          <a:fontRef idx="minor">
+            <a:schemeClr val="tx1"/>
+          </a:fontRef>
+        </p:style>
+      </p:cxnSp>
+      <p:cxnSp>
+        <p:nvCxnSpPr>
+          <p:cNvPr id="15" name="Straight Connector 14">
+            <a:extLst>
+              <a:ext uri="{FF2B5EF4-FFF2-40B4-BE49-F238E27FC236}">
+                <a16:creationId xmlns:a16="http://schemas.microsoft.com/office/drawing/2014/main" id="{1EF257C3-9AEE-46B8-A75F-3C4C75A6F64D}"/>
+              </a:ext>
+            </a:extLst>
+          </p:cNvPr>
+          <p:cNvCxnSpPr>
+            <a:cxnSpLocks/>
+          </p:cNvCxnSpPr>
+          <p:nvPr/>
+        </p:nvCxnSpPr>
+        <p:spPr>
+          <a:xfrm>
+            <a:off x="3767794" y="4719711"/>
+            <a:ext cx="1026941" cy="0"/>
+          </a:xfrm>
+          <a:prstGeom prst="line">
+            <a:avLst/>
+          </a:prstGeom>
+          <a:ln w="9525" cap="flat" cmpd="sng" algn="ctr">
+            <a:solidFill>
+              <a:schemeClr val="dk1"/>
+            </a:solidFill>
+            <a:prstDash val="dash"/>
+            <a:round/>
+            <a:headEnd type="none" w="med" len="med"/>
+            <a:tailEnd type="none" w="med" len="med"/>
+          </a:ln>
+        </p:spPr>
+        <p:style>
+          <a:lnRef idx="0">
+            <a:scrgbClr r="0" g="0" b="0"/>
+          </a:lnRef>
+          <a:fillRef idx="0">
+            <a:scrgbClr r="0" g="0" b="0"/>
+          </a:fillRef>
+          <a:effectRef idx="0">
+            <a:scrgbClr r="0" g="0" b="0"/>
+          </a:effectRef>
+          <a:fontRef idx="minor">
+            <a:schemeClr val="tx1"/>
+          </a:fontRef>
+        </p:style>
+      </p:cxnSp>
+      <p:sp>
+        <p:nvSpPr>
+          <p:cNvPr id="17" name="Circle: Hollow 16">
+            <a:extLst>
+              <a:ext uri="{FF2B5EF4-FFF2-40B4-BE49-F238E27FC236}">
+                <a16:creationId xmlns:a16="http://schemas.microsoft.com/office/drawing/2014/main" id="{B47FEC0E-91A2-4E36-A209-6C8AD7740CF0}"/>
+              </a:ext>
+            </a:extLst>
+          </p:cNvPr>
+          <p:cNvSpPr/>
+          <p:nvPr/>
+        </p:nvSpPr>
+        <p:spPr>
+          <a:xfrm>
+            <a:off x="3334044" y="3963576"/>
+            <a:ext cx="225892" cy="214532"/>
+          </a:xfrm>
+          <a:prstGeom prst="donut">
+            <a:avLst/>
+          </a:prstGeom>
+        </p:spPr>
+        <p:style>
+          <a:lnRef idx="2">
+            <a:schemeClr val="dk1">
+              <a:shade val="50000"/>
+            </a:schemeClr>
+          </a:lnRef>
+          <a:fillRef idx="1">
+            <a:schemeClr val="dk1"/>
+          </a:fillRef>
+          <a:effectRef idx="0">
+            <a:schemeClr val="dk1"/>
+          </a:effectRef>
+          <a:fontRef idx="minor">
+            <a:schemeClr val="lt1"/>
+          </a:fontRef>
+        </p:style>
+        <p:txBody>
+          <a:bodyPr rtlCol="0" anchor="ctr"/>
+          <a:lstStyle/>
+          <a:p>
+            <a:pPr algn="ctr"/>
+            <a:endParaRPr lang="en-IN">
+              <a:solidFill>
+                <a:schemeClr val="tx1"/>
+              </a:solidFill>
+            </a:endParaRPr>
+          </a:p>
+        </p:txBody>
+      </p:sp>
+      <p:sp>
+        <p:nvSpPr>
+          <p:cNvPr id="18" name="Circle: Hollow 17">
+            <a:extLst>
+              <a:ext uri="{FF2B5EF4-FFF2-40B4-BE49-F238E27FC236}">
+                <a16:creationId xmlns:a16="http://schemas.microsoft.com/office/drawing/2014/main" id="{6708F630-1783-4980-9CAB-DB9A51ED2C2C}"/>
+              </a:ext>
+            </a:extLst>
+          </p:cNvPr>
+          <p:cNvSpPr/>
+          <p:nvPr/>
+        </p:nvSpPr>
+        <p:spPr>
+          <a:xfrm>
+            <a:off x="3331700" y="4509871"/>
+            <a:ext cx="225892" cy="214532"/>
+          </a:xfrm>
+          <a:prstGeom prst="donut">
+            <a:avLst/>
+          </a:prstGeom>
+        </p:spPr>
+        <p:style>
+          <a:lnRef idx="2">
+            <a:schemeClr val="dk1">
+              <a:shade val="50000"/>
+            </a:schemeClr>
+          </a:lnRef>
+          <a:fillRef idx="1">
+            <a:schemeClr val="dk1"/>
+          </a:fillRef>
+          <a:effectRef idx="0">
+            <a:schemeClr val="dk1"/>
+          </a:effectRef>
+          <a:fontRef idx="minor">
+            <a:schemeClr val="lt1"/>
+          </a:fontRef>
+        </p:style>
+        <p:txBody>
+          <a:bodyPr rtlCol="0" anchor="ctr"/>
+          <a:lstStyle/>
+          <a:p>
+            <a:pPr algn="ctr"/>
+            <a:endParaRPr lang="en-IN">
+              <a:solidFill>
+                <a:schemeClr val="tx1"/>
+              </a:solidFill>
+            </a:endParaRPr>
           </a:p>
         </p:txBody>
       </p:sp>
       <p:pic>
         <p:nvPicPr>
-          <p:cNvPr id="4" name="Picture 3">
+          <p:cNvPr id="20" name="Picture 19">
             <a:extLst>
               <a:ext uri="{FF2B5EF4-FFF2-40B4-BE49-F238E27FC236}">
-                <a16:creationId xmlns:a16="http://schemas.microsoft.com/office/drawing/2014/main" id="{AE2BA4A6-909C-4077-B51F-198E81C90BAD}"/>
+                <a16:creationId xmlns:a16="http://schemas.microsoft.com/office/drawing/2014/main" id="{0A52A15D-1363-40D3-A558-CCAAC2E9B31A}"/>
               </a:ext>
             </a:extLst>
           </p:cNvPr>
@@ -15585,8 +16137,323 @@
         </p:blipFill>
         <p:spPr>
           <a:xfrm>
-            <a:off x="814648" y="2196486"/>
-            <a:ext cx="7672820" cy="3069128"/>
+            <a:off x="6815650" y="3556232"/>
+            <a:ext cx="1163221" cy="1243752"/>
+          </a:xfrm>
+          <a:prstGeom prst="rect">
+            <a:avLst/>
+          </a:prstGeom>
+          <a:ln>
+            <a:noFill/>
+          </a:ln>
+          <a:effectLst>
+            <a:outerShdw blurRad="44450" dist="27940" dir="5400000" algn="ctr">
+              <a:srgbClr val="000000">
+                <a:alpha val="32000"/>
+              </a:srgbClr>
+            </a:outerShdw>
+          </a:effectLst>
+          <a:scene3d>
+            <a:camera prst="orthographicFront">
+              <a:rot lat="0" lon="0" rev="0"/>
+            </a:camera>
+            <a:lightRig rig="balanced" dir="t">
+              <a:rot lat="0" lon="0" rev="8700000"/>
+            </a:lightRig>
+          </a:scene3d>
+          <a:sp3d>
+            <a:bevelT w="190500" h="38100"/>
+          </a:sp3d>
+        </p:spPr>
+      </p:pic>
+      <p:pic>
+        <p:nvPicPr>
+          <p:cNvPr id="27" name="Picture 26">
+            <a:extLst>
+              <a:ext uri="{FF2B5EF4-FFF2-40B4-BE49-F238E27FC236}">
+                <a16:creationId xmlns:a16="http://schemas.microsoft.com/office/drawing/2014/main" id="{7D1320FD-4CDA-412D-9B4E-170E80EC119B}"/>
+              </a:ext>
+            </a:extLst>
+          </p:cNvPr>
+          <p:cNvPicPr>
+            <a:picLocks noChangeAspect="1"/>
+          </p:cNvPicPr>
+          <p:nvPr/>
+        </p:nvPicPr>
+        <p:blipFill>
+          <a:blip r:embed="rId3"/>
+          <a:stretch>
+            <a:fillRect/>
+          </a:stretch>
+        </p:blipFill>
+        <p:spPr>
+          <a:xfrm>
+            <a:off x="9156553" y="2920370"/>
+            <a:ext cx="688851" cy="635862"/>
+          </a:xfrm>
+          <a:prstGeom prst="rect">
+            <a:avLst/>
+          </a:prstGeom>
+          <a:ln>
+            <a:noFill/>
+          </a:ln>
+          <a:effectLst>
+            <a:outerShdw blurRad="190500" dist="228600" dir="2700000" algn="ctr">
+              <a:srgbClr val="000000">
+                <a:alpha val="30000"/>
+              </a:srgbClr>
+            </a:outerShdw>
+          </a:effectLst>
+          <a:scene3d>
+            <a:camera prst="orthographicFront">
+              <a:rot lat="0" lon="0" rev="0"/>
+            </a:camera>
+            <a:lightRig rig="glow" dir="t">
+              <a:rot lat="0" lon="0" rev="4800000"/>
+            </a:lightRig>
+          </a:scene3d>
+          <a:sp3d prstMaterial="matte">
+            <a:bevelT w="127000" h="63500"/>
+          </a:sp3d>
+        </p:spPr>
+      </p:pic>
+      <p:pic>
+        <p:nvPicPr>
+          <p:cNvPr id="38" name="Picture 37">
+            <a:extLst>
+              <a:ext uri="{FF2B5EF4-FFF2-40B4-BE49-F238E27FC236}">
+                <a16:creationId xmlns:a16="http://schemas.microsoft.com/office/drawing/2014/main" id="{7F678893-28E5-4E97-9D76-67F70C491488}"/>
+              </a:ext>
+            </a:extLst>
+          </p:cNvPr>
+          <p:cNvPicPr>
+            <a:picLocks noChangeAspect="1"/>
+          </p:cNvPicPr>
+          <p:nvPr/>
+        </p:nvPicPr>
+        <p:blipFill>
+          <a:blip r:embed="rId4"/>
+          <a:stretch>
+            <a:fillRect/>
+          </a:stretch>
+        </p:blipFill>
+        <p:spPr>
+          <a:xfrm>
+            <a:off x="9047575" y="4589345"/>
+            <a:ext cx="894918" cy="635863"/>
+          </a:xfrm>
+          <a:prstGeom prst="rect">
+            <a:avLst/>
+          </a:prstGeom>
+          <a:ln>
+            <a:noFill/>
+          </a:ln>
+          <a:effectLst>
+            <a:outerShdw blurRad="44450" dist="27940" dir="5400000" algn="ctr">
+              <a:srgbClr val="000000">
+                <a:alpha val="32000"/>
+              </a:srgbClr>
+            </a:outerShdw>
+          </a:effectLst>
+          <a:scene3d>
+            <a:camera prst="orthographicFront">
+              <a:rot lat="0" lon="0" rev="0"/>
+            </a:camera>
+            <a:lightRig rig="balanced" dir="t">
+              <a:rot lat="0" lon="0" rev="8700000"/>
+            </a:lightRig>
+          </a:scene3d>
+          <a:sp3d>
+            <a:bevelT w="190500" h="38100"/>
+          </a:sp3d>
+        </p:spPr>
+      </p:pic>
+      <p:sp>
+        <p:nvSpPr>
+          <p:cNvPr id="39" name="TextBox 38">
+            <a:extLst>
+              <a:ext uri="{FF2B5EF4-FFF2-40B4-BE49-F238E27FC236}">
+                <a16:creationId xmlns:a16="http://schemas.microsoft.com/office/drawing/2014/main" id="{E22DDE50-D54C-47B2-A1B8-23075103C6BE}"/>
+              </a:ext>
+            </a:extLst>
+          </p:cNvPr>
+          <p:cNvSpPr txBox="1"/>
+          <p:nvPr/>
+        </p:nvSpPr>
+        <p:spPr>
+          <a:xfrm>
+            <a:off x="3115512" y="5734979"/>
+            <a:ext cx="2140186" cy="584775"/>
+          </a:xfrm>
+          <a:prstGeom prst="rect">
+            <a:avLst/>
+          </a:prstGeom>
+          <a:noFill/>
+        </p:spPr>
+        <p:txBody>
+          <a:bodyPr wrap="square" rtlCol="0">
+            <a:spAutoFit/>
+          </a:bodyPr>
+          <a:lstStyle/>
+          <a:p>
+            <a:r>
+              <a:rPr lang="en-IN" sz="3200" dirty="0">
+                <a:solidFill>
+                  <a:srgbClr val="FF0000"/>
+                </a:solidFill>
+              </a:rPr>
+              <a:t>SCADA</a:t>
+            </a:r>
+          </a:p>
+        </p:txBody>
+      </p:sp>
+      <p:sp>
+        <p:nvSpPr>
+          <p:cNvPr id="40" name="TextBox 39">
+            <a:extLst>
+              <a:ext uri="{FF2B5EF4-FFF2-40B4-BE49-F238E27FC236}">
+                <a16:creationId xmlns:a16="http://schemas.microsoft.com/office/drawing/2014/main" id="{DD4A8B45-1901-479F-A48E-EB5B24238E71}"/>
+              </a:ext>
+            </a:extLst>
+          </p:cNvPr>
+          <p:cNvSpPr txBox="1"/>
+          <p:nvPr/>
+        </p:nvSpPr>
+        <p:spPr>
+          <a:xfrm>
+            <a:off x="7129679" y="5573064"/>
+            <a:ext cx="1196757" cy="646331"/>
+          </a:xfrm>
+          <a:prstGeom prst="rect">
+            <a:avLst/>
+          </a:prstGeom>
+          <a:noFill/>
+        </p:spPr>
+        <p:txBody>
+          <a:bodyPr wrap="square" rtlCol="0">
+            <a:spAutoFit/>
+          </a:bodyPr>
+          <a:lstStyle/>
+          <a:p>
+            <a:r>
+              <a:rPr lang="en-IN" sz="3600" dirty="0">
+                <a:solidFill>
+                  <a:srgbClr val="FF0000"/>
+                </a:solidFill>
+              </a:rPr>
+              <a:t>IoT</a:t>
+            </a:r>
+          </a:p>
+        </p:txBody>
+      </p:sp>
+      <p:sp>
+        <p:nvSpPr>
+          <p:cNvPr id="41" name="Arrow: Striped Right 40">
+            <a:extLst>
+              <a:ext uri="{FF2B5EF4-FFF2-40B4-BE49-F238E27FC236}">
+                <a16:creationId xmlns:a16="http://schemas.microsoft.com/office/drawing/2014/main" id="{D8C7DE04-4BC8-45A1-8AF3-FBCBF32370BA}"/>
+              </a:ext>
+            </a:extLst>
+          </p:cNvPr>
+          <p:cNvSpPr/>
+          <p:nvPr/>
+        </p:nvSpPr>
+        <p:spPr>
+          <a:xfrm>
+            <a:off x="5357447" y="3556232"/>
+            <a:ext cx="784372" cy="734414"/>
+          </a:xfrm>
+          <a:prstGeom prst="stripedRightArrow">
+            <a:avLst/>
+          </a:prstGeom>
+          <a:pattFill prst="pct5">
+            <a:fgClr>
+              <a:srgbClr val="FFFF00"/>
+            </a:fgClr>
+            <a:bgClr>
+              <a:srgbClr val="00B050"/>
+            </a:bgClr>
+          </a:pattFill>
+        </p:spPr>
+        <p:style>
+          <a:lnRef idx="2">
+            <a:schemeClr val="accent1">
+              <a:shade val="50000"/>
+            </a:schemeClr>
+          </a:lnRef>
+          <a:fillRef idx="1">
+            <a:schemeClr val="accent1"/>
+          </a:fillRef>
+          <a:effectRef idx="0">
+            <a:schemeClr val="accent1"/>
+          </a:effectRef>
+          <a:fontRef idx="minor">
+            <a:schemeClr val="lt1"/>
+          </a:fontRef>
+        </p:style>
+        <p:txBody>
+          <a:bodyPr rtlCol="0" anchor="ctr"/>
+          <a:lstStyle/>
+          <a:p>
+            <a:pPr algn="ctr"/>
+            <a:endParaRPr lang="en-IN"/>
+          </a:p>
+        </p:txBody>
+      </p:sp>
+      <p:pic>
+        <p:nvPicPr>
+          <p:cNvPr id="43" name="Picture 42">
+            <a:extLst>
+              <a:ext uri="{FF2B5EF4-FFF2-40B4-BE49-F238E27FC236}">
+                <a16:creationId xmlns:a16="http://schemas.microsoft.com/office/drawing/2014/main" id="{4258626E-8593-4F0D-B2AC-73F17F5A5BF1}"/>
+              </a:ext>
+            </a:extLst>
+          </p:cNvPr>
+          <p:cNvPicPr>
+            <a:picLocks noChangeAspect="1"/>
+          </p:cNvPicPr>
+          <p:nvPr/>
+        </p:nvPicPr>
+        <p:blipFill>
+          <a:blip r:embed="rId5"/>
+          <a:stretch>
+            <a:fillRect/>
+          </a:stretch>
+        </p:blipFill>
+        <p:spPr>
+          <a:xfrm>
+            <a:off x="1524002" y="2799471"/>
+            <a:ext cx="984738" cy="984738"/>
+          </a:xfrm>
+          <a:prstGeom prst="rect">
+            <a:avLst/>
+          </a:prstGeom>
+        </p:spPr>
+      </p:pic>
+      <p:pic>
+        <p:nvPicPr>
+          <p:cNvPr id="45" name="Picture 44">
+            <a:extLst>
+              <a:ext uri="{FF2B5EF4-FFF2-40B4-BE49-F238E27FC236}">
+                <a16:creationId xmlns:a16="http://schemas.microsoft.com/office/drawing/2014/main" id="{F7D16947-2F85-47E8-9F0B-D491CB012A58}"/>
+              </a:ext>
+            </a:extLst>
+          </p:cNvPr>
+          <p:cNvPicPr>
+            <a:picLocks noChangeAspect="1"/>
+          </p:cNvPicPr>
+          <p:nvPr/>
+        </p:nvPicPr>
+        <p:blipFill>
+          <a:blip r:embed="rId6"/>
+          <a:stretch>
+            <a:fillRect/>
+          </a:stretch>
+        </p:blipFill>
+        <p:spPr>
+          <a:xfrm>
+            <a:off x="1320585" y="4386435"/>
+            <a:ext cx="1107201" cy="1107201"/>
           </a:xfrm>
           <a:prstGeom prst="rect">
             <a:avLst/>
@@ -15595,10 +16462,10 @@
       </p:pic>
       <p:cxnSp>
         <p:nvCxnSpPr>
-          <p:cNvPr id="6" name="Straight Arrow Connector 5">
+          <p:cNvPr id="47" name="Straight Arrow Connector 46">
             <a:extLst>
               <a:ext uri="{FF2B5EF4-FFF2-40B4-BE49-F238E27FC236}">
-                <a16:creationId xmlns:a16="http://schemas.microsoft.com/office/drawing/2014/main" id="{D8B9DEED-3789-48FA-9080-F01C84EAADF4}"/>
+                <a16:creationId xmlns:a16="http://schemas.microsoft.com/office/drawing/2014/main" id="{3B8D946C-F4C1-42B6-BBF4-1765E03AF72B}"/>
               </a:ext>
             </a:extLst>
           </p:cNvPr>
@@ -15606,14 +16473,14 @@
           <p:nvPr/>
         </p:nvCxnSpPr>
         <p:spPr>
-          <a:xfrm flipH="1">
-            <a:off x="8279476" y="2660073"/>
-            <a:ext cx="1296786" cy="349134"/>
+          <a:xfrm>
+            <a:off x="2322286" y="3556232"/>
+            <a:ext cx="432638" cy="227977"/>
           </a:xfrm>
           <a:prstGeom prst="straightConnector1">
             <a:avLst/>
           </a:prstGeom>
-          <a:ln>
+          <a:ln w="57150">
             <a:tailEnd type="triangle"/>
           </a:ln>
         </p:spPr>
@@ -15634,10 +16501,10 @@
       </p:cxnSp>
       <p:cxnSp>
         <p:nvCxnSpPr>
-          <p:cNvPr id="8" name="Straight Arrow Connector 7">
+          <p:cNvPr id="49" name="Straight Arrow Connector 48">
             <a:extLst>
               <a:ext uri="{FF2B5EF4-FFF2-40B4-BE49-F238E27FC236}">
-                <a16:creationId xmlns:a16="http://schemas.microsoft.com/office/drawing/2014/main" id="{7C178FD9-C287-4E32-97D9-ECF0FF62666A}"/>
+                <a16:creationId xmlns:a16="http://schemas.microsoft.com/office/drawing/2014/main" id="{C6BD4A74-4C31-44DB-92E1-90C8B025D74A}"/>
               </a:ext>
             </a:extLst>
           </p:cNvPr>
@@ -15645,14 +16512,14 @@
           <p:nvPr/>
         </p:nvCxnSpPr>
         <p:spPr>
-          <a:xfrm flipH="1" flipV="1">
-            <a:off x="8279476" y="4139738"/>
-            <a:ext cx="1895302" cy="315884"/>
+          <a:xfrm flipV="1">
+            <a:off x="2555775" y="5123543"/>
+            <a:ext cx="360000" cy="324000"/>
           </a:xfrm>
           <a:prstGeom prst="straightConnector1">
             <a:avLst/>
           </a:prstGeom>
-          <a:ln>
+          <a:ln w="57150">
             <a:tailEnd type="triangle"/>
           </a:ln>
         </p:spPr>
@@ -15671,89 +16538,10 @@
           </a:fontRef>
         </p:style>
       </p:cxnSp>
-      <p:sp>
-        <p:nvSpPr>
-          <p:cNvPr id="9" name="Right Brace 8">
-            <a:extLst>
-              <a:ext uri="{FF2B5EF4-FFF2-40B4-BE49-F238E27FC236}">
-                <a16:creationId xmlns:a16="http://schemas.microsoft.com/office/drawing/2014/main" id="{A5779F64-4169-4F1F-979F-E8186AE6CED1}"/>
-              </a:ext>
-            </a:extLst>
-          </p:cNvPr>
-          <p:cNvSpPr/>
-          <p:nvPr/>
-        </p:nvSpPr>
-        <p:spPr>
-          <a:xfrm>
-            <a:off x="10050834" y="2527069"/>
-            <a:ext cx="755711" cy="1778924"/>
-          </a:xfrm>
-          <a:prstGeom prst="rightBrace">
-            <a:avLst/>
-          </a:prstGeom>
-        </p:spPr>
-        <p:style>
-          <a:lnRef idx="1">
-            <a:schemeClr val="accent1"/>
-          </a:lnRef>
-          <a:fillRef idx="0">
-            <a:schemeClr val="accent1"/>
-          </a:fillRef>
-          <a:effectRef idx="0">
-            <a:schemeClr val="accent1"/>
-          </a:effectRef>
-          <a:fontRef idx="minor">
-            <a:schemeClr val="tx1"/>
-          </a:fontRef>
-        </p:style>
-        <p:txBody>
-          <a:bodyPr rtlCol="0" anchor="ctr"/>
-          <a:lstStyle/>
-          <a:p>
-            <a:pPr algn="ctr"/>
-            <a:endParaRPr lang="en-IN"/>
-          </a:p>
-        </p:txBody>
-      </p:sp>
-      <p:sp>
-        <p:nvSpPr>
-          <p:cNvPr id="11" name="TextBox 10">
-            <a:extLst>
-              <a:ext uri="{FF2B5EF4-FFF2-40B4-BE49-F238E27FC236}">
-                <a16:creationId xmlns:a16="http://schemas.microsoft.com/office/drawing/2014/main" id="{E4FE5906-C0F6-4D8A-BA6E-BF4A30E28ADD}"/>
-              </a:ext>
-            </a:extLst>
-          </p:cNvPr>
-          <p:cNvSpPr txBox="1"/>
-          <p:nvPr/>
-        </p:nvSpPr>
-        <p:spPr>
-          <a:xfrm>
-            <a:off x="10778835" y="3731050"/>
-            <a:ext cx="1188146" cy="369332"/>
-          </a:xfrm>
-          <a:prstGeom prst="rect">
-            <a:avLst/>
-          </a:prstGeom>
-          <a:noFill/>
-        </p:spPr>
-        <p:txBody>
-          <a:bodyPr wrap="none" rtlCol="0">
-            <a:spAutoFit/>
-          </a:bodyPr>
-          <a:lstStyle/>
-          <a:p>
-            <a:r>
-              <a:rPr lang="en-IN" dirty="0"/>
-              <a:t>Analytics</a:t>
-            </a:r>
-          </a:p>
-        </p:txBody>
-      </p:sp>
     </p:spTree>
     <p:extLst>
       <p:ext uri="{BB962C8B-B14F-4D97-AF65-F5344CB8AC3E}">
-        <p14:creationId xmlns:p14="http://schemas.microsoft.com/office/powerpoint/2010/main" val="1797183433"/>
+        <p14:creationId xmlns:p14="http://schemas.microsoft.com/office/powerpoint/2010/main" val="4213237323"/>
       </p:ext>
     </p:extLst>
   </p:cSld>
@@ -16921,7 +17709,7 @@
         <p:spPr>
           <a:xfrm>
             <a:off x="281999" y="503483"/>
-            <a:ext cx="10690800" cy="6186309"/>
+            <a:ext cx="10690800" cy="5909310"/>
           </a:xfrm>
           <a:prstGeom prst="rect">
             <a:avLst/>
@@ -16934,16 +17722,41 @@
           <a:lstStyle/>
           <a:p>
             <a:r>
-              <a:rPr lang="en-IN" b="1" dirty="0"/>
+              <a:rPr lang="en-IN" b="1" u="sng" dirty="0"/>
               <a:t>PTC </a:t>
             </a:r>
+            <a:r>
+              <a:rPr lang="en-IN" b="1" u="sng" dirty="0" err="1"/>
+              <a:t>ThingWorx</a:t>
+            </a:r>
+            <a:r>
+              <a:rPr lang="en-IN" b="1" u="sng" dirty="0"/>
+              <a:t> is an application development platform for the Internet of Things </a:t>
+            </a:r>
+          </a:p>
+          <a:p>
+            <a:endParaRPr lang="en-IN" dirty="0"/>
+          </a:p>
+          <a:p>
             <a:r>
               <a:rPr lang="en-IN" b="1" dirty="0" err="1"/>
               <a:t>ThingWorx</a:t>
             </a:r>
             <a:r>
               <a:rPr lang="en-IN" b="1" dirty="0"/>
-              <a:t> is an application development platform for the Internet of Things </a:t>
+              <a:t> Foundation</a:t>
+            </a:r>
+            <a:r>
+              <a:rPr lang="en-IN" dirty="0"/>
+              <a:t> - Connects to other components of </a:t>
+            </a:r>
+            <a:r>
+              <a:rPr lang="en-IN" dirty="0" err="1"/>
+              <a:t>thingworx</a:t>
+            </a:r>
+            <a:r>
+              <a:rPr lang="en-IN" dirty="0"/>
+              <a:t>. Consists of model-based rapid application development tools (needs very little programming knowledge) , includes a drag-and-drop mashup builder for building dashboards and other web based applications</a:t>
             </a:r>
           </a:p>
           <a:p>
@@ -16956,11 +17769,11 @@
             </a:r>
             <a:r>
               <a:rPr lang="en-IN" b="1" dirty="0"/>
-              <a:t> Foundation</a:t>
+              <a:t> Utilities</a:t>
             </a:r>
             <a:r>
               <a:rPr lang="en-IN" dirty="0"/>
-              <a:t> - connects the other five components and contains model-based rapid application development tools, including a drag-and-drop mashup builder for assembling dashboards and other applications</a:t>
+              <a:t> - helps users to define, manage, monitor and optimize their connected products</a:t>
             </a:r>
           </a:p>
           <a:p>
@@ -16973,28 +17786,11 @@
             </a:r>
             <a:r>
               <a:rPr lang="en-IN" b="1" dirty="0"/>
-              <a:t> Utilities</a:t>
+              <a:t> Analytics</a:t>
             </a:r>
             <a:r>
               <a:rPr lang="en-IN" dirty="0"/>
-              <a:t> - helps users to define, manage, monitor and optimize their connected products</a:t>
-            </a:r>
-          </a:p>
-          <a:p>
-            <a:endParaRPr lang="en-IN" dirty="0"/>
-          </a:p>
-          <a:p>
-            <a:r>
-              <a:rPr lang="en-IN" b="1" dirty="0" err="1"/>
-              <a:t>ThingWorx</a:t>
-            </a:r>
-            <a:r>
-              <a:rPr lang="en-IN" b="1" dirty="0"/>
-              <a:t> Analytics</a:t>
-            </a:r>
-            <a:r>
-              <a:rPr lang="en-IN" dirty="0"/>
-              <a:t> - includes simulation and predictive analytics features to help users get value from the data collected from devices. The software can also detect anomalies and patterns in real-time data. An analytics server adds the ability to monitor devices for predicted outcomes (such as equipment failure) and optimize them by automatically detecting the reasons for certain outcomes.</a:t>
+              <a:t> - Consists  of predictive analytics of  the data collected from devices. The module  can also detect anomalies and patterns in real-time data. An analytics server adds the ability to monitor devices for predicted outcomes (such as equipment failure) and optimize them by automatically detecting the reasons for certain outcomes.</a:t>
             </a:r>
           </a:p>
           <a:p>
@@ -17063,6 +17859,726 @@
     <p:extLst>
       <p:ext uri="{BB962C8B-B14F-4D97-AF65-F5344CB8AC3E}">
         <p14:creationId xmlns:p14="http://schemas.microsoft.com/office/powerpoint/2010/main" val="59326562"/>
+      </p:ext>
+    </p:extLst>
+  </p:cSld>
+  <p:clrMapOvr>
+    <a:masterClrMapping/>
+  </p:clrMapOvr>
+</p:sld>
+</file>
+
+<file path=ppt/slides/slide15.xml><?xml version="1.0" encoding="utf-8"?>
+<p:sld xmlns:a="http://schemas.openxmlformats.org/drawingml/2006/main" xmlns:r="http://schemas.openxmlformats.org/officeDocument/2006/relationships" xmlns:p="http://schemas.openxmlformats.org/presentationml/2006/main">
+  <p:cSld>
+    <p:spTree>
+      <p:nvGrpSpPr>
+        <p:cNvPr id="1" name=""/>
+        <p:cNvGrpSpPr/>
+        <p:nvPr/>
+      </p:nvGrpSpPr>
+      <p:grpSpPr>
+        <a:xfrm>
+          <a:off x="0" y="0"/>
+          <a:ext cx="0" cy="0"/>
+          <a:chOff x="0" y="0"/>
+          <a:chExt cx="0" cy="0"/>
+        </a:xfrm>
+      </p:grpSpPr>
+      <p:sp>
+        <p:nvSpPr>
+          <p:cNvPr id="2" name="Title 1">
+            <a:extLst>
+              <a:ext uri="{FF2B5EF4-FFF2-40B4-BE49-F238E27FC236}">
+                <a16:creationId xmlns:a16="http://schemas.microsoft.com/office/drawing/2014/main" id="{F5A3E3E1-41CC-44B2-9416-33504AAC29A4}"/>
+              </a:ext>
+            </a:extLst>
+          </p:cNvPr>
+          <p:cNvSpPr>
+            <a:spLocks noGrp="1"/>
+          </p:cNvSpPr>
+          <p:nvPr>
+            <p:ph type="title"/>
+          </p:nvPr>
+        </p:nvSpPr>
+        <p:spPr>
+          <a:xfrm>
+            <a:off x="1158129" y="2728735"/>
+            <a:ext cx="9404723" cy="844459"/>
+          </a:xfrm>
+        </p:spPr>
+        <p:txBody>
+          <a:bodyPr/>
+          <a:lstStyle/>
+          <a:p>
+            <a:r>
+              <a:rPr lang="en-IN" dirty="0"/>
+              <a:t>Machine Learning</a:t>
+            </a:r>
+          </a:p>
+        </p:txBody>
+      </p:sp>
+    </p:spTree>
+    <p:extLst>
+      <p:ext uri="{BB962C8B-B14F-4D97-AF65-F5344CB8AC3E}">
+        <p14:creationId xmlns:p14="http://schemas.microsoft.com/office/powerpoint/2010/main" val="3549351075"/>
+      </p:ext>
+    </p:extLst>
+  </p:cSld>
+  <p:clrMapOvr>
+    <a:masterClrMapping/>
+  </p:clrMapOvr>
+</p:sld>
+</file>
+
+<file path=ppt/slides/slide16.xml><?xml version="1.0" encoding="utf-8"?>
+<p:sld xmlns:a="http://schemas.openxmlformats.org/drawingml/2006/main" xmlns:r="http://schemas.openxmlformats.org/officeDocument/2006/relationships" xmlns:p="http://schemas.openxmlformats.org/presentationml/2006/main">
+  <p:cSld>
+    <p:spTree>
+      <p:nvGrpSpPr>
+        <p:cNvPr id="1" name=""/>
+        <p:cNvGrpSpPr/>
+        <p:nvPr/>
+      </p:nvGrpSpPr>
+      <p:grpSpPr>
+        <a:xfrm>
+          <a:off x="0" y="0"/>
+          <a:ext cx="0" cy="0"/>
+          <a:chOff x="0" y="0"/>
+          <a:chExt cx="0" cy="0"/>
+        </a:xfrm>
+      </p:grpSpPr>
+      <p:sp>
+        <p:nvSpPr>
+          <p:cNvPr id="2" name="Title 1">
+            <a:extLst>
+              <a:ext uri="{FF2B5EF4-FFF2-40B4-BE49-F238E27FC236}">
+                <a16:creationId xmlns:a16="http://schemas.microsoft.com/office/drawing/2014/main" id="{C7231BE9-0DFB-47DD-8B7C-7762852782E0}"/>
+              </a:ext>
+            </a:extLst>
+          </p:cNvPr>
+          <p:cNvSpPr>
+            <a:spLocks noGrp="1"/>
+          </p:cNvSpPr>
+          <p:nvPr>
+            <p:ph type="title"/>
+          </p:nvPr>
+        </p:nvSpPr>
+        <p:spPr>
+          <a:xfrm>
+            <a:off x="646111" y="452718"/>
+            <a:ext cx="9404723" cy="700833"/>
+          </a:xfrm>
+        </p:spPr>
+        <p:txBody>
+          <a:bodyPr/>
+          <a:lstStyle/>
+          <a:p>
+            <a:r>
+              <a:rPr lang="en-IN" dirty="0"/>
+              <a:t>What is Machine Learning</a:t>
+            </a:r>
+          </a:p>
+        </p:txBody>
+      </p:sp>
+      <p:sp>
+        <p:nvSpPr>
+          <p:cNvPr id="4" name="TextBox 3">
+            <a:extLst>
+              <a:ext uri="{FF2B5EF4-FFF2-40B4-BE49-F238E27FC236}">
+                <a16:creationId xmlns:a16="http://schemas.microsoft.com/office/drawing/2014/main" id="{94769287-9E33-4D9F-B561-367FD97E52C4}"/>
+              </a:ext>
+            </a:extLst>
+          </p:cNvPr>
+          <p:cNvSpPr txBox="1"/>
+          <p:nvPr/>
+        </p:nvSpPr>
+        <p:spPr>
+          <a:xfrm>
+            <a:off x="506437" y="1447800"/>
+            <a:ext cx="10222633" cy="5078313"/>
+          </a:xfrm>
+          <a:prstGeom prst="rect">
+            <a:avLst/>
+          </a:prstGeom>
+          <a:noFill/>
+        </p:spPr>
+        <p:txBody>
+          <a:bodyPr wrap="square" rtlCol="0">
+            <a:spAutoFit/>
+          </a:bodyPr>
+          <a:lstStyle/>
+          <a:p>
+            <a:r>
+              <a:rPr lang="en-IN" dirty="0"/>
+              <a:t>Machine learning is an application of artificial intelligence  that provides systems the ability to automatically learn from large amount of data  and automatically program interpretation  of the data.</a:t>
+            </a:r>
+          </a:p>
+          <a:p>
+            <a:endParaRPr lang="en-IN" dirty="0"/>
+          </a:p>
+          <a:p>
+            <a:pPr marL="285750" indent="-285750">
+              <a:buFont typeface="Arial" panose="020B0604020202020204" pitchFamily="34" charset="0"/>
+              <a:buChar char="•"/>
+            </a:pPr>
+            <a:r>
+              <a:rPr lang="en-IN" dirty="0"/>
+              <a:t>Face Recognition </a:t>
+            </a:r>
+          </a:p>
+          <a:p>
+            <a:pPr marL="285750" indent="-285750">
+              <a:buFont typeface="Arial" panose="020B0604020202020204" pitchFamily="34" charset="0"/>
+              <a:buChar char="•"/>
+            </a:pPr>
+            <a:r>
+              <a:rPr lang="en-IN" dirty="0"/>
+              <a:t>Hand writing recognition </a:t>
+            </a:r>
+          </a:p>
+          <a:p>
+            <a:pPr marL="285750" indent="-285750">
+              <a:buFont typeface="Arial" panose="020B0604020202020204" pitchFamily="34" charset="0"/>
+              <a:buChar char="•"/>
+            </a:pPr>
+            <a:r>
+              <a:rPr lang="en-IN" dirty="0"/>
+              <a:t>Prediction of Weather/Stock Market</a:t>
+            </a:r>
+          </a:p>
+          <a:p>
+            <a:pPr marL="285750" indent="-285750">
+              <a:buFont typeface="Arial" panose="020B0604020202020204" pitchFamily="34" charset="0"/>
+              <a:buChar char="•"/>
+            </a:pPr>
+            <a:r>
+              <a:rPr lang="en-IN" dirty="0"/>
+              <a:t>Diagnosis of health issues with patient data </a:t>
+            </a:r>
+          </a:p>
+          <a:p>
+            <a:pPr marL="285750" indent="-285750">
+              <a:buFont typeface="Arial" panose="020B0604020202020204" pitchFamily="34" charset="0"/>
+              <a:buChar char="•"/>
+            </a:pPr>
+            <a:r>
+              <a:rPr lang="en-IN" dirty="0"/>
+              <a:t>Understanding the performance  of machine based on data collected from sensor</a:t>
+            </a:r>
+          </a:p>
+          <a:p>
+            <a:pPr marL="285750" indent="-285750">
+              <a:buFont typeface="Arial" panose="020B0604020202020204" pitchFamily="34" charset="0"/>
+              <a:buChar char="•"/>
+            </a:pPr>
+            <a:r>
+              <a:rPr lang="en-IN" dirty="0"/>
+              <a:t>Predicting failures of machine from data collected from Sensors </a:t>
+            </a:r>
+          </a:p>
+          <a:p>
+            <a:pPr marL="285750" indent="-285750">
+              <a:buFont typeface="Arial" panose="020B0604020202020204" pitchFamily="34" charset="0"/>
+              <a:buChar char="•"/>
+            </a:pPr>
+            <a:endParaRPr lang="en-IN" dirty="0"/>
+          </a:p>
+          <a:p>
+            <a:r>
+              <a:rPr lang="en-IN" dirty="0"/>
+              <a:t>Are examples of Machine Learning. The last two bullets are the areas where Machine Learning is adding value to Industrial IoT.</a:t>
+            </a:r>
+          </a:p>
+          <a:p>
+            <a:endParaRPr lang="en-IN" dirty="0"/>
+          </a:p>
+          <a:p>
+            <a:r>
+              <a:rPr lang="en-IN" b="1" u="sng" dirty="0"/>
+              <a:t>Analytics Module which is packaged with </a:t>
+            </a:r>
+            <a:r>
+              <a:rPr lang="en-IN" b="1" u="sng" dirty="0" err="1"/>
+              <a:t>Thingworx</a:t>
+            </a:r>
+            <a:r>
+              <a:rPr lang="en-IN" b="1" u="sng" dirty="0"/>
+              <a:t> </a:t>
+            </a:r>
+            <a:r>
+              <a:rPr lang="en-IN" dirty="0"/>
+              <a:t>is  Machine Learning Application that can be used for understanding data that is collected from sensors.</a:t>
+            </a:r>
+          </a:p>
+          <a:p>
+            <a:endParaRPr lang="en-IN" dirty="0"/>
+          </a:p>
+          <a:p>
+            <a:endParaRPr lang="en-IN" dirty="0"/>
+          </a:p>
+        </p:txBody>
+      </p:sp>
+    </p:spTree>
+    <p:extLst>
+      <p:ext uri="{BB962C8B-B14F-4D97-AF65-F5344CB8AC3E}">
+        <p14:creationId xmlns:p14="http://schemas.microsoft.com/office/powerpoint/2010/main" val="1797572419"/>
+      </p:ext>
+    </p:extLst>
+  </p:cSld>
+  <p:clrMapOvr>
+    <a:masterClrMapping/>
+  </p:clrMapOvr>
+</p:sld>
+</file>
+
+<file path=ppt/slides/slide17.xml><?xml version="1.0" encoding="utf-8"?>
+<p:sld xmlns:a="http://schemas.openxmlformats.org/drawingml/2006/main" xmlns:r="http://schemas.openxmlformats.org/officeDocument/2006/relationships" xmlns:p="http://schemas.openxmlformats.org/presentationml/2006/main">
+  <p:cSld>
+    <p:spTree>
+      <p:nvGrpSpPr>
+        <p:cNvPr id="1" name=""/>
+        <p:cNvGrpSpPr/>
+        <p:nvPr/>
+      </p:nvGrpSpPr>
+      <p:grpSpPr>
+        <a:xfrm>
+          <a:off x="0" y="0"/>
+          <a:ext cx="0" cy="0"/>
+          <a:chOff x="0" y="0"/>
+          <a:chExt cx="0" cy="0"/>
+        </a:xfrm>
+      </p:grpSpPr>
+      <p:sp>
+        <p:nvSpPr>
+          <p:cNvPr id="2" name="Title 1">
+            <a:extLst>
+              <a:ext uri="{FF2B5EF4-FFF2-40B4-BE49-F238E27FC236}">
+                <a16:creationId xmlns:a16="http://schemas.microsoft.com/office/drawing/2014/main" id="{AF7F3C4D-B376-44FA-AC8E-DCD2AD62B61A}"/>
+              </a:ext>
+            </a:extLst>
+          </p:cNvPr>
+          <p:cNvSpPr>
+            <a:spLocks noGrp="1"/>
+          </p:cNvSpPr>
+          <p:nvPr>
+            <p:ph type="title"/>
+          </p:nvPr>
+        </p:nvSpPr>
+        <p:spPr>
+          <a:xfrm>
+            <a:off x="646111" y="424582"/>
+            <a:ext cx="9468560" cy="1362015"/>
+          </a:xfrm>
+        </p:spPr>
+        <p:txBody>
+          <a:bodyPr/>
+          <a:lstStyle/>
+          <a:p>
+            <a:r>
+              <a:rPr lang="en-IN" dirty="0"/>
+              <a:t>Where does </a:t>
+            </a:r>
+            <a:r>
+              <a:rPr lang="en-IN" dirty="0" err="1"/>
+              <a:t>Thingworx</a:t>
+            </a:r>
+            <a:r>
+              <a:rPr lang="en-IN" dirty="0"/>
+              <a:t> ML finds application</a:t>
+            </a:r>
+          </a:p>
+        </p:txBody>
+      </p:sp>
+      <p:sp>
+        <p:nvSpPr>
+          <p:cNvPr id="5" name="TextBox 4">
+            <a:extLst>
+              <a:ext uri="{FF2B5EF4-FFF2-40B4-BE49-F238E27FC236}">
+                <a16:creationId xmlns:a16="http://schemas.microsoft.com/office/drawing/2014/main" id="{15812C04-4972-48B8-A419-1F4271CCD452}"/>
+              </a:ext>
+            </a:extLst>
+          </p:cNvPr>
+          <p:cNvSpPr txBox="1"/>
+          <p:nvPr/>
+        </p:nvSpPr>
+        <p:spPr>
+          <a:xfrm>
+            <a:off x="646111" y="2377441"/>
+            <a:ext cx="4263514" cy="646331"/>
+          </a:xfrm>
+          <a:prstGeom prst="rect">
+            <a:avLst/>
+          </a:prstGeom>
+          <a:noFill/>
+        </p:spPr>
+        <p:txBody>
+          <a:bodyPr wrap="square" rtlCol="0">
+            <a:spAutoFit/>
+          </a:bodyPr>
+          <a:lstStyle/>
+          <a:p>
+            <a:endParaRPr lang="en-IN" dirty="0"/>
+          </a:p>
+          <a:p>
+            <a:endParaRPr lang="en-IN" dirty="0"/>
+          </a:p>
+        </p:txBody>
+      </p:sp>
+      <p:graphicFrame>
+        <p:nvGraphicFramePr>
+          <p:cNvPr id="6" name="Table 5">
+            <a:extLst>
+              <a:ext uri="{FF2B5EF4-FFF2-40B4-BE49-F238E27FC236}">
+                <a16:creationId xmlns:a16="http://schemas.microsoft.com/office/drawing/2014/main" id="{B2AA2205-54EA-4C55-BEAF-BAEB7E326DEF}"/>
+              </a:ext>
+            </a:extLst>
+          </p:cNvPr>
+          <p:cNvGraphicFramePr>
+            <a:graphicFrameLocks noGrp="1"/>
+          </p:cNvGraphicFramePr>
+          <p:nvPr>
+            <p:extLst>
+              <p:ext uri="{D42A27DB-BD31-4B8C-83A1-F6EECF244321}">
+                <p14:modId xmlns:p14="http://schemas.microsoft.com/office/powerpoint/2010/main" val="3990807649"/>
+              </p:ext>
+            </p:extLst>
+          </p:nvPr>
+        </p:nvGraphicFramePr>
+        <p:xfrm>
+          <a:off x="275211" y="2039218"/>
+          <a:ext cx="11682327" cy="4394200"/>
+        </p:xfrm>
+        <a:graphic>
+          <a:graphicData uri="http://schemas.openxmlformats.org/drawingml/2006/table">
+            <a:tbl>
+              <a:tblPr firstRow="1" bandRow="1">
+                <a:tableStyleId>{5C22544A-7EE6-4342-B048-85BDC9FD1C3A}</a:tableStyleId>
+              </a:tblPr>
+              <a:tblGrid>
+                <a:gridCol w="4922145">
+                  <a:extLst>
+                    <a:ext uri="{9D8B030D-6E8A-4147-A177-3AD203B41FA5}">
+                      <a16:colId xmlns:a16="http://schemas.microsoft.com/office/drawing/2014/main" val="718516027"/>
+                    </a:ext>
+                  </a:extLst>
+                </a:gridCol>
+                <a:gridCol w="6760182">
+                  <a:extLst>
+                    <a:ext uri="{9D8B030D-6E8A-4147-A177-3AD203B41FA5}">
+                      <a16:colId xmlns:a16="http://schemas.microsoft.com/office/drawing/2014/main" val="3504786143"/>
+                    </a:ext>
+                  </a:extLst>
+                </a:gridCol>
+              </a:tblGrid>
+              <a:tr h="370840">
+                <a:tc>
+                  <a:txBody>
+                    <a:bodyPr/>
+                    <a:lstStyle/>
+                    <a:p>
+                      <a:endParaRPr lang="en-IN" dirty="0"/>
+                    </a:p>
+                  </a:txBody>
+                  <a:tcPr/>
+                </a:tc>
+                <a:tc>
+                  <a:txBody>
+                    <a:bodyPr/>
+                    <a:lstStyle/>
+                    <a:p>
+                      <a:endParaRPr lang="en-IN"/>
+                    </a:p>
+                  </a:txBody>
+                  <a:tcPr/>
+                </a:tc>
+                <a:extLst>
+                  <a:ext uri="{0D108BD9-81ED-4DB2-BD59-A6C34878D82A}">
+                    <a16:rowId xmlns:a16="http://schemas.microsoft.com/office/drawing/2014/main" val="1150402851"/>
+                  </a:ext>
+                </a:extLst>
+              </a:tr>
+              <a:tr h="370840">
+                <a:tc>
+                  <a:txBody>
+                    <a:bodyPr/>
+                    <a:lstStyle/>
+                    <a:p>
+                      <a:pPr marL="0" marR="0" lvl="0" indent="0" algn="l" defTabSz="457200" rtl="0" eaLnBrk="1" fontAlgn="auto" latinLnBrk="0" hangingPunct="1">
+                        <a:lnSpc>
+                          <a:spcPct val="100000"/>
+                        </a:lnSpc>
+                        <a:spcBef>
+                          <a:spcPts val="0"/>
+                        </a:spcBef>
+                        <a:spcAft>
+                          <a:spcPts val="0"/>
+                        </a:spcAft>
+                        <a:buClrTx/>
+                        <a:buSzTx/>
+                        <a:buFontTx/>
+                        <a:buNone/>
+                        <a:tabLst/>
+                        <a:defRPr/>
+                      </a:pPr>
+                      <a:r>
+                        <a:rPr lang="en-IN" dirty="0"/>
+                        <a:t>Industrial IoT/Manufacturing</a:t>
+                      </a:r>
+                    </a:p>
+                    <a:p>
+                      <a:endParaRPr lang="en-IN" dirty="0"/>
+                    </a:p>
+                  </a:txBody>
+                  <a:tcPr/>
+                </a:tc>
+                <a:tc>
+                  <a:txBody>
+                    <a:bodyPr/>
+                    <a:lstStyle/>
+                    <a:p>
+                      <a:r>
+                        <a:rPr lang="en-IN" dirty="0"/>
+                        <a:t>Understanding data collected from machine and making predictions, detecting anomalies with performance </a:t>
+                      </a:r>
+                    </a:p>
+                  </a:txBody>
+                  <a:tcPr/>
+                </a:tc>
+                <a:extLst>
+                  <a:ext uri="{0D108BD9-81ED-4DB2-BD59-A6C34878D82A}">
+                    <a16:rowId xmlns:a16="http://schemas.microsoft.com/office/drawing/2014/main" val="1144365347"/>
+                  </a:ext>
+                </a:extLst>
+              </a:tr>
+              <a:tr h="370840">
+                <a:tc>
+                  <a:txBody>
+                    <a:bodyPr/>
+                    <a:lstStyle/>
+                    <a:p>
+                      <a:pPr marL="0" marR="0" lvl="0" indent="0" algn="l" defTabSz="457200" rtl="0" eaLnBrk="1" fontAlgn="auto" latinLnBrk="0" hangingPunct="1">
+                        <a:lnSpc>
+                          <a:spcPct val="100000"/>
+                        </a:lnSpc>
+                        <a:spcBef>
+                          <a:spcPts val="0"/>
+                        </a:spcBef>
+                        <a:spcAft>
+                          <a:spcPts val="0"/>
+                        </a:spcAft>
+                        <a:buClrTx/>
+                        <a:buSzTx/>
+                        <a:buFontTx/>
+                        <a:buNone/>
+                        <a:tabLst/>
+                        <a:defRPr/>
+                      </a:pPr>
+                      <a:r>
+                        <a:rPr lang="en-IN" dirty="0"/>
+                        <a:t>Insurance Companies</a:t>
+                      </a:r>
+                    </a:p>
+                    <a:p>
+                      <a:endParaRPr lang="en-IN" dirty="0"/>
+                    </a:p>
+                  </a:txBody>
+                  <a:tcPr/>
+                </a:tc>
+                <a:tc>
+                  <a:txBody>
+                    <a:bodyPr/>
+                    <a:lstStyle/>
+                    <a:p>
+                      <a:r>
+                        <a:rPr lang="en-IN" dirty="0"/>
+                        <a:t>Classifying customers into broad categories based on customer data and generating risk profiles for each of them, This is used for fixing up premium </a:t>
+                      </a:r>
+                    </a:p>
+                  </a:txBody>
+                  <a:tcPr/>
+                </a:tc>
+                <a:extLst>
+                  <a:ext uri="{0D108BD9-81ED-4DB2-BD59-A6C34878D82A}">
+                    <a16:rowId xmlns:a16="http://schemas.microsoft.com/office/drawing/2014/main" val="3380001097"/>
+                  </a:ext>
+                </a:extLst>
+              </a:tr>
+              <a:tr h="370840">
+                <a:tc>
+                  <a:txBody>
+                    <a:bodyPr/>
+                    <a:lstStyle/>
+                    <a:p>
+                      <a:pPr marL="0" marR="0" lvl="0" indent="0" algn="l" defTabSz="457200" rtl="0" eaLnBrk="1" fontAlgn="auto" latinLnBrk="0" hangingPunct="1">
+                        <a:lnSpc>
+                          <a:spcPct val="100000"/>
+                        </a:lnSpc>
+                        <a:spcBef>
+                          <a:spcPts val="0"/>
+                        </a:spcBef>
+                        <a:spcAft>
+                          <a:spcPts val="0"/>
+                        </a:spcAft>
+                        <a:buClrTx/>
+                        <a:buSzTx/>
+                        <a:buFontTx/>
+                        <a:buNone/>
+                        <a:tabLst/>
+                        <a:defRPr/>
+                      </a:pPr>
+                      <a:r>
+                        <a:rPr lang="en-IN" dirty="0"/>
+                        <a:t>Hospital and Health Care</a:t>
+                      </a:r>
+                    </a:p>
+                    <a:p>
+                      <a:endParaRPr lang="en-IN" dirty="0"/>
+                    </a:p>
+                  </a:txBody>
+                  <a:tcPr/>
+                </a:tc>
+                <a:tc>
+                  <a:txBody>
+                    <a:bodyPr/>
+                    <a:lstStyle/>
+                    <a:p>
+                      <a:r>
+                        <a:rPr lang="en-IN" dirty="0"/>
+                        <a:t>Analysing Data collected from patients  for diagnosis of health issues, detecting anomalies  with health. </a:t>
+                      </a:r>
+                    </a:p>
+                  </a:txBody>
+                  <a:tcPr/>
+                </a:tc>
+                <a:extLst>
+                  <a:ext uri="{0D108BD9-81ED-4DB2-BD59-A6C34878D82A}">
+                    <a16:rowId xmlns:a16="http://schemas.microsoft.com/office/drawing/2014/main" val="1137833217"/>
+                  </a:ext>
+                </a:extLst>
+              </a:tr>
+              <a:tr h="370840">
+                <a:tc>
+                  <a:txBody>
+                    <a:bodyPr/>
+                    <a:lstStyle/>
+                    <a:p>
+                      <a:pPr marL="0" marR="0" lvl="0" indent="0" algn="l" defTabSz="457200" rtl="0" eaLnBrk="1" fontAlgn="auto" latinLnBrk="0" hangingPunct="1">
+                        <a:lnSpc>
+                          <a:spcPct val="100000"/>
+                        </a:lnSpc>
+                        <a:spcBef>
+                          <a:spcPts val="0"/>
+                        </a:spcBef>
+                        <a:spcAft>
+                          <a:spcPts val="0"/>
+                        </a:spcAft>
+                        <a:buClrTx/>
+                        <a:buSzTx/>
+                        <a:buFontTx/>
+                        <a:buNone/>
+                        <a:tabLst/>
+                        <a:defRPr/>
+                      </a:pPr>
+                      <a:r>
+                        <a:rPr lang="en-IN" dirty="0"/>
+                        <a:t>Data Centres</a:t>
+                      </a:r>
+                    </a:p>
+                    <a:p>
+                      <a:endParaRPr lang="en-IN" dirty="0"/>
+                    </a:p>
+                  </a:txBody>
+                  <a:tcPr/>
+                </a:tc>
+                <a:tc>
+                  <a:txBody>
+                    <a:bodyPr/>
+                    <a:lstStyle/>
+                    <a:p>
+                      <a:r>
+                        <a:rPr lang="en-IN" dirty="0"/>
+                        <a:t>To understand data collected from logs and making predictions, classification and </a:t>
+                      </a:r>
+                      <a:r>
+                        <a:rPr lang="en-IN" dirty="0" err="1"/>
+                        <a:t>anamolies</a:t>
+                      </a:r>
+                      <a:r>
+                        <a:rPr lang="en-IN" dirty="0"/>
+                        <a:t> with performance of routers, switches and servers etc</a:t>
+                      </a:r>
+                    </a:p>
+                  </a:txBody>
+                  <a:tcPr/>
+                </a:tc>
+                <a:extLst>
+                  <a:ext uri="{0D108BD9-81ED-4DB2-BD59-A6C34878D82A}">
+                    <a16:rowId xmlns:a16="http://schemas.microsoft.com/office/drawing/2014/main" val="226188122"/>
+                  </a:ext>
+                </a:extLst>
+              </a:tr>
+              <a:tr h="370840">
+                <a:tc>
+                  <a:txBody>
+                    <a:bodyPr/>
+                    <a:lstStyle/>
+                    <a:p>
+                      <a:pPr marL="0" marR="0" lvl="0" indent="0" algn="l" defTabSz="457200" rtl="0" eaLnBrk="1" fontAlgn="auto" latinLnBrk="0" hangingPunct="1">
+                        <a:lnSpc>
+                          <a:spcPct val="100000"/>
+                        </a:lnSpc>
+                        <a:spcBef>
+                          <a:spcPts val="0"/>
+                        </a:spcBef>
+                        <a:spcAft>
+                          <a:spcPts val="0"/>
+                        </a:spcAft>
+                        <a:buClrTx/>
+                        <a:buSzTx/>
+                        <a:buFontTx/>
+                        <a:buNone/>
+                        <a:tabLst/>
+                        <a:defRPr/>
+                      </a:pPr>
+                      <a:r>
+                        <a:rPr lang="en-IN" dirty="0"/>
+                        <a:t>Transportation/Courier</a:t>
+                      </a:r>
+                    </a:p>
+                    <a:p>
+                      <a:endParaRPr lang="en-IN" dirty="0"/>
+                    </a:p>
+                  </a:txBody>
+                  <a:tcPr/>
+                </a:tc>
+                <a:tc>
+                  <a:txBody>
+                    <a:bodyPr/>
+                    <a:lstStyle/>
+                    <a:p>
+                      <a:r>
+                        <a:rPr lang="en-IN" dirty="0"/>
+                        <a:t>To understand the data collected from vehicles and classify routes according to parameters. Make predictions about delivery and collection times</a:t>
+                      </a:r>
+                    </a:p>
+                  </a:txBody>
+                  <a:tcPr/>
+                </a:tc>
+                <a:extLst>
+                  <a:ext uri="{0D108BD9-81ED-4DB2-BD59-A6C34878D82A}">
+                    <a16:rowId xmlns:a16="http://schemas.microsoft.com/office/drawing/2014/main" val="3844081370"/>
+                  </a:ext>
+                </a:extLst>
+              </a:tr>
+            </a:tbl>
+          </a:graphicData>
+        </a:graphic>
+      </p:graphicFrame>
+    </p:spTree>
+    <p:extLst>
+      <p:ext uri="{BB962C8B-B14F-4D97-AF65-F5344CB8AC3E}">
+        <p14:creationId xmlns:p14="http://schemas.microsoft.com/office/powerpoint/2010/main" val="3730810508"/>
       </p:ext>
     </p:extLst>
   </p:cSld>
@@ -17382,35 +18898,6 @@
           <a:chExt cx="0" cy="0"/>
         </a:xfrm>
       </p:grpSpPr>
-      <p:sp>
-        <p:nvSpPr>
-          <p:cNvPr id="2" name="Footer Placeholder 1">
-            <a:extLst>
-              <a:ext uri="{FF2B5EF4-FFF2-40B4-BE49-F238E27FC236}">
-                <a16:creationId xmlns:a16="http://schemas.microsoft.com/office/drawing/2014/main" id="{51707776-326B-4A97-BA20-D48787B4F2E7}"/>
-              </a:ext>
-            </a:extLst>
-          </p:cNvPr>
-          <p:cNvSpPr>
-            <a:spLocks noGrp="1"/>
-          </p:cNvSpPr>
-          <p:nvPr>
-            <p:ph type="ftr" sz="quarter" idx="11"/>
-          </p:nvPr>
-        </p:nvSpPr>
-        <p:spPr/>
-        <p:txBody>
-          <a:bodyPr/>
-          <a:lstStyle/>
-          <a:p>
-            <a:r>
-              <a:rPr lang="en-IN"/>
-              <a:t>DO NOT COPY or Download the training Video</a:t>
-            </a:r>
-            <a:endParaRPr lang="en-US" dirty="0"/>
-          </a:p>
-        </p:txBody>
-      </p:sp>
       <p:sp>
         <p:nvSpPr>
           <p:cNvPr id="3" name="Rectangle 2">
